--- a/Docs/media/Diagrams.pptx
+++ b/Docs/media/Diagrams.pptx
@@ -104,6 +104,11 @@
       </a:defRPr>
     </a:lvl9pPr>
   </p:defaultTextStyle>
+  <p:extLst>
+    <p:ext uri="{EFAFB233-063F-42B5-8137-9DF3F51BA10A}">
+      <p15:sldGuideLst xmlns:p15="http://schemas.microsoft.com/office/powerpoint/2012/main"/>
+    </p:ext>
+  </p:extLst>
 </p:presentation>
 </file>
 
@@ -254,7 +259,7 @@
           <a:p>
             <a:fld id="{D55366BC-9D12-4935-A71E-1E04B929106D}" type="datetimeFigureOut">
               <a:rPr lang="en-US" smtClean="0"/>
-              <a:t>11/23/2021</a:t>
+              <a:t>4/5/2022</a:t>
             </a:fld>
             <a:endParaRPr lang="en-US"/>
           </a:p>
@@ -452,7 +457,7 @@
           <a:p>
             <a:fld id="{D55366BC-9D12-4935-A71E-1E04B929106D}" type="datetimeFigureOut">
               <a:rPr lang="en-US" smtClean="0"/>
-              <a:t>11/23/2021</a:t>
+              <a:t>4/5/2022</a:t>
             </a:fld>
             <a:endParaRPr lang="en-US"/>
           </a:p>
@@ -660,7 +665,7 @@
           <a:p>
             <a:fld id="{D55366BC-9D12-4935-A71E-1E04B929106D}" type="datetimeFigureOut">
               <a:rPr lang="en-US" smtClean="0"/>
-              <a:t>11/23/2021</a:t>
+              <a:t>4/5/2022</a:t>
             </a:fld>
             <a:endParaRPr lang="en-US"/>
           </a:p>
@@ -858,7 +863,7 @@
           <a:p>
             <a:fld id="{D55366BC-9D12-4935-A71E-1E04B929106D}" type="datetimeFigureOut">
               <a:rPr lang="en-US" smtClean="0"/>
-              <a:t>11/23/2021</a:t>
+              <a:t>4/5/2022</a:t>
             </a:fld>
             <a:endParaRPr lang="en-US"/>
           </a:p>
@@ -1133,7 +1138,7 @@
           <a:p>
             <a:fld id="{D55366BC-9D12-4935-A71E-1E04B929106D}" type="datetimeFigureOut">
               <a:rPr lang="en-US" smtClean="0"/>
-              <a:t>11/23/2021</a:t>
+              <a:t>4/5/2022</a:t>
             </a:fld>
             <a:endParaRPr lang="en-US"/>
           </a:p>
@@ -1398,7 +1403,7 @@
           <a:p>
             <a:fld id="{D55366BC-9D12-4935-A71E-1E04B929106D}" type="datetimeFigureOut">
               <a:rPr lang="en-US" smtClean="0"/>
-              <a:t>11/23/2021</a:t>
+              <a:t>4/5/2022</a:t>
             </a:fld>
             <a:endParaRPr lang="en-US"/>
           </a:p>
@@ -1810,7 +1815,7 @@
           <a:p>
             <a:fld id="{D55366BC-9D12-4935-A71E-1E04B929106D}" type="datetimeFigureOut">
               <a:rPr lang="en-US" smtClean="0"/>
-              <a:t>11/23/2021</a:t>
+              <a:t>4/5/2022</a:t>
             </a:fld>
             <a:endParaRPr lang="en-US"/>
           </a:p>
@@ -1951,7 +1956,7 @@
           <a:p>
             <a:fld id="{D55366BC-9D12-4935-A71E-1E04B929106D}" type="datetimeFigureOut">
               <a:rPr lang="en-US" smtClean="0"/>
-              <a:t>11/23/2021</a:t>
+              <a:t>4/5/2022</a:t>
             </a:fld>
             <a:endParaRPr lang="en-US"/>
           </a:p>
@@ -2064,7 +2069,7 @@
           <a:p>
             <a:fld id="{D55366BC-9D12-4935-A71E-1E04B929106D}" type="datetimeFigureOut">
               <a:rPr lang="en-US" smtClean="0"/>
-              <a:t>11/23/2021</a:t>
+              <a:t>4/5/2022</a:t>
             </a:fld>
             <a:endParaRPr lang="en-US"/>
           </a:p>
@@ -2375,7 +2380,7 @@
           <a:p>
             <a:fld id="{D55366BC-9D12-4935-A71E-1E04B929106D}" type="datetimeFigureOut">
               <a:rPr lang="en-US" smtClean="0"/>
-              <a:t>11/23/2021</a:t>
+              <a:t>4/5/2022</a:t>
             </a:fld>
             <a:endParaRPr lang="en-US"/>
           </a:p>
@@ -2663,7 +2668,7 @@
           <a:p>
             <a:fld id="{D55366BC-9D12-4935-A71E-1E04B929106D}" type="datetimeFigureOut">
               <a:rPr lang="en-US" smtClean="0"/>
-              <a:t>11/23/2021</a:t>
+              <a:t>4/5/2022</a:t>
             </a:fld>
             <a:endParaRPr lang="en-US"/>
           </a:p>
@@ -2904,7 +2909,7 @@
           <a:p>
             <a:fld id="{D55366BC-9D12-4935-A71E-1E04B929106D}" type="datetimeFigureOut">
               <a:rPr lang="en-US" smtClean="0"/>
-              <a:t>11/23/2021</a:t>
+              <a:t>4/5/2022</a:t>
             </a:fld>
             <a:endParaRPr lang="en-US"/>
           </a:p>
@@ -3336,7 +3341,7 @@
         <p:spPr>
           <a:xfrm>
             <a:off x="7834233" y="4289062"/>
-            <a:ext cx="1820518" cy="916827"/>
+            <a:ext cx="1820518" cy="1438417"/>
           </a:xfrm>
           <a:prstGeom prst="rect">
             <a:avLst/>
@@ -3563,7 +3568,7 @@
             <a:pPr algn="ctr"/>
             <a:r>
               <a:rPr lang="en-US" sz="1600" dirty="0"/>
-              <a:t>R14</a:t>
+              <a:t>releases/4.14</a:t>
             </a:r>
           </a:p>
         </p:txBody>
@@ -3608,7 +3613,7 @@
             <a:pPr algn="ctr"/>
             <a:r>
               <a:rPr lang="en-US" sz="1600" dirty="0"/>
-              <a:t>R10</a:t>
+              <a:t>releases/4.10</a:t>
             </a:r>
           </a:p>
         </p:txBody>
@@ -3653,7 +3658,7 @@
             <a:pPr algn="ctr"/>
             <a:r>
               <a:rPr lang="en-US" sz="1600" dirty="0"/>
-              <a:t>R11</a:t>
+              <a:t>releases/4.11</a:t>
             </a:r>
           </a:p>
         </p:txBody>
@@ -3698,7 +3703,7 @@
             <a:pPr algn="ctr"/>
             <a:r>
               <a:rPr lang="en-US" sz="1600" dirty="0"/>
-              <a:t>R12</a:t>
+              <a:t>releases/4.12</a:t>
             </a:r>
           </a:p>
         </p:txBody>
@@ -3743,7 +3748,7 @@
             <a:pPr algn="ctr"/>
             <a:r>
               <a:rPr lang="en-US" sz="1600" dirty="0"/>
-              <a:t>R13</a:t>
+              <a:t>releases/4.13</a:t>
             </a:r>
           </a:p>
         </p:txBody>
@@ -3788,7 +3793,7 @@
             <a:pPr algn="ctr"/>
             <a:r>
               <a:rPr lang="en-US" sz="1600" dirty="0"/>
-              <a:t>R9</a:t>
+              <a:t>releases/4.9</a:t>
             </a:r>
           </a:p>
         </p:txBody>
@@ -3916,7 +3921,7 @@
         </p:nvSpPr>
         <p:spPr>
           <a:xfrm>
-            <a:off x="7886052" y="4424309"/>
+            <a:off x="7883908" y="4682668"/>
             <a:ext cx="1721167" cy="646331"/>
           </a:xfrm>
           <a:prstGeom prst="rect">
@@ -4184,6 +4189,51 @@
           </a:fontRef>
         </p:style>
       </p:cxnSp>
+      <p:sp>
+        <p:nvSpPr>
+          <p:cNvPr id="22" name="TextBox 21">
+            <a:extLst>
+              <a:ext uri="{FF2B5EF4-FFF2-40B4-BE49-F238E27FC236}">
+                <a16:creationId xmlns:a16="http://schemas.microsoft.com/office/drawing/2014/main" id="{5D533DE7-CC3E-4D79-9C7C-224B359A5CC0}"/>
+              </a:ext>
+            </a:extLst>
+          </p:cNvPr>
+          <p:cNvSpPr txBox="1"/>
+          <p:nvPr/>
+        </p:nvSpPr>
+        <p:spPr>
+          <a:xfrm>
+            <a:off x="5797522" y="5388925"/>
+            <a:ext cx="1772991" cy="338554"/>
+          </a:xfrm>
+          <a:prstGeom prst="rect">
+            <a:avLst/>
+          </a:prstGeom>
+          <a:solidFill>
+            <a:schemeClr val="bg1">
+              <a:lumMod val="85000"/>
+            </a:schemeClr>
+          </a:solidFill>
+          <a:ln w="12700">
+            <a:solidFill>
+              <a:schemeClr val="tx1"/>
+            </a:solidFill>
+          </a:ln>
+        </p:spPr>
+        <p:txBody>
+          <a:bodyPr wrap="square" rtlCol="0">
+            <a:spAutoFit/>
+          </a:bodyPr>
+          <a:lstStyle/>
+          <a:p>
+            <a:pPr algn="ctr"/>
+            <a:r>
+              <a:rPr lang="en-US" sz="1600" dirty="0"/>
+              <a:t>releases/4.15</a:t>
+            </a:r>
+          </a:p>
+        </p:txBody>
+      </p:sp>
     </p:spTree>
     <p:extLst>
       <p:ext uri="{BB962C8B-B14F-4D97-AF65-F5344CB8AC3E}">
